--- a/IAP-CSharp-Lecture-5.pptx
+++ b/IAP-CSharp-Lecture-5.pptx
@@ -51,6 +51,7 @@
     <p:sldId id="309" r:id="rId45"/>
     <p:sldId id="311" r:id="rId46"/>
     <p:sldId id="312" r:id="rId47"/>
+    <p:sldId id="313" r:id="rId48"/>
   </p:sldIdLst>
   <p:sldSz cx="9144000" cy="6858000" type="screen4x3"/>
   <p:notesSz cx="6858000" cy="9144000"/>
@@ -22626,11 +22627,7 @@
           <a:p>
             <a:r>
               <a:rPr lang="en-US" dirty="0" smtClean="0"/>
-              <a:t>So far, we’ve had only 1 button. What if we want multiple buttons (or textbox, label, or other controls) on screen</a:t>
-            </a:r>
-            <a:r>
-              <a:rPr lang="en-US" dirty="0" smtClean="0"/>
-              <a:t>?</a:t>
+              <a:t>So far, we’ve had only 1 button. What if we want multiple buttons (or textbox, label, or other controls) on screen?</a:t>
             </a:r>
           </a:p>
           <a:p>
@@ -22656,7 +22653,6 @@
               <a:rPr lang="en-US" dirty="0" smtClean="0"/>
               <a:t>Grid: organizes them into columns and rows</a:t>
             </a:r>
-            <a:endParaRPr lang="en-US" dirty="0" smtClean="0"/>
           </a:p>
           <a:p>
             <a:endParaRPr lang="en-US" dirty="0" smtClean="0"/>
@@ -24719,12 +24715,6 @@
               </a:rPr>
               <a:t>;</a:t>
             </a:r>
-            <a:endParaRPr lang="en-US" b="1" dirty="0" smtClean="0">
-              <a:solidFill>
-                <a:prstClr val="black"/>
-              </a:solidFill>
-              <a:latin typeface="Consolas"/>
-            </a:endParaRPr>
           </a:p>
           <a:p>
             <a:r>
@@ -25272,15 +25262,7 @@
           <a:p>
             <a:r>
               <a:rPr lang="en-US" dirty="0" smtClean="0"/>
-              <a:t>A specialized </a:t>
-            </a:r>
-            <a:r>
-              <a:rPr lang="en-US" dirty="0" smtClean="0"/>
-              <a:t>(XML-based) language </a:t>
-            </a:r>
-            <a:r>
-              <a:rPr lang="en-US" dirty="0" smtClean="0"/>
-              <a:t>for defining an interface in WPF</a:t>
+              <a:t>A specialized (XML-based) language for defining an interface in WPF</a:t>
             </a:r>
           </a:p>
           <a:p>
@@ -25389,25 +25371,7 @@
                 </a:solidFill>
                 <a:latin typeface="Consolas"/>
               </a:rPr>
-              <a:t>="</a:t>
-            </a:r>
-            <a:r>
-              <a:rPr lang="en-US" dirty="0" smtClean="0">
-                <a:solidFill>
-                  <a:srgbClr val="0000FF"/>
-                </a:solidFill>
-                <a:latin typeface="Consolas"/>
-              </a:rPr>
-              <a:t>32" </a:t>
-            </a:r>
-            <a:r>
-              <a:rPr lang="en-US" dirty="0" smtClean="0">
-                <a:solidFill>
-                  <a:srgbClr val="0000FF"/>
-                </a:solidFill>
-                <a:latin typeface="Consolas"/>
-              </a:rPr>
-              <a:t>/&gt;</a:t>
+              <a:t>="32" /&gt;</a:t>
             </a:r>
           </a:p>
         </p:txBody>
@@ -25643,15 +25607,7 @@
           <a:p>
             <a:r>
               <a:rPr lang="en-US" dirty="0" smtClean="0"/>
-              <a:t>Defining </a:t>
-            </a:r>
-            <a:r>
-              <a:rPr lang="en-US" dirty="0" smtClean="0"/>
-              <a:t>a stack layout in </a:t>
-            </a:r>
-            <a:r>
-              <a:rPr lang="en-US" dirty="0" smtClean="0"/>
-              <a:t>XAML </a:t>
+              <a:t>Defining a stack layout in XAML </a:t>
             </a:r>
             <a:r>
               <a:rPr lang="en-US" dirty="0" err="1" smtClean="0"/>
@@ -26413,15 +26369,7 @@
           <a:p>
             <a:r>
               <a:rPr lang="en-US" dirty="0" smtClean="0"/>
-              <a:t>Defining </a:t>
-            </a:r>
-            <a:r>
-              <a:rPr lang="en-US" dirty="0" smtClean="0"/>
-              <a:t>a stack layout in </a:t>
-            </a:r>
-            <a:r>
-              <a:rPr lang="en-US" dirty="0" smtClean="0"/>
-              <a:t>XAML </a:t>
+              <a:t>Defining a stack layout in XAML </a:t>
             </a:r>
             <a:r>
               <a:rPr lang="en-US" dirty="0" err="1" smtClean="0"/>
@@ -39268,6 +39216,1321 @@
     <p:extLst>
       <p:ext uri="{BB962C8B-B14F-4D97-AF65-F5344CB8AC3E}">
         <p14:creationId xmlns:p14="http://schemas.microsoft.com/office/powerpoint/2010/main" val="4092317080"/>
+      </p:ext>
+    </p:extLst>
+  </p:cSld>
+  <p:clrMapOvr>
+    <a:masterClrMapping/>
+  </p:clrMapOvr>
+</p:sld>
+</file>
+
+<file path=ppt/slides/slide47.xml><?xml version="1.0" encoding="utf-8"?>
+<p:sld xmlns:a="http://schemas.openxmlformats.org/drawingml/2006/main" xmlns:r="http://schemas.openxmlformats.org/officeDocument/2006/relationships" xmlns:p="http://schemas.openxmlformats.org/presentationml/2006/main">
+  <p:cSld>
+    <p:spTree>
+      <p:nvGrpSpPr>
+        <p:cNvPr id="1" name=""/>
+        <p:cNvGrpSpPr/>
+        <p:nvPr/>
+      </p:nvGrpSpPr>
+      <p:grpSpPr>
+        <a:xfrm>
+          <a:off x="0" y="0"/>
+          <a:ext cx="0" cy="0"/>
+          <a:chOff x="0" y="0"/>
+          <a:chExt cx="0" cy="0"/>
+        </a:xfrm>
+      </p:grpSpPr>
+      <p:sp>
+        <p:nvSpPr>
+          <p:cNvPr id="5" name="Rectangle 4"/>
+          <p:cNvSpPr/>
+          <p:nvPr/>
+        </p:nvSpPr>
+        <p:spPr>
+          <a:xfrm>
+            <a:off x="0" y="0"/>
+            <a:ext cx="9829800" cy="2862322"/>
+          </a:xfrm>
+          <a:prstGeom prst="rect">
+            <a:avLst/>
+          </a:prstGeom>
+        </p:spPr>
+        <p:txBody>
+          <a:bodyPr wrap="square">
+            <a:spAutoFit/>
+          </a:bodyPr>
+          <a:lstStyle/>
+          <a:p>
+            <a:r>
+              <a:rPr lang="en-US" dirty="0">
+                <a:solidFill>
+                  <a:srgbClr val="0000FF"/>
+                </a:solidFill>
+                <a:latin typeface="Consolas"/>
+              </a:rPr>
+              <a:t>&lt;</a:t>
+            </a:r>
+            <a:r>
+              <a:rPr lang="en-US" dirty="0">
+                <a:solidFill>
+                  <a:srgbClr val="A31515"/>
+                </a:solidFill>
+                <a:latin typeface="Consolas"/>
+              </a:rPr>
+              <a:t>Window</a:t>
+            </a:r>
+            <a:r>
+              <a:rPr lang="en-US" dirty="0">
+                <a:solidFill>
+                  <a:srgbClr val="FF0000"/>
+                </a:solidFill>
+                <a:latin typeface="Consolas"/>
+              </a:rPr>
+              <a:t> x</a:t>
+            </a:r>
+            <a:r>
+              <a:rPr lang="en-US" dirty="0">
+                <a:solidFill>
+                  <a:srgbClr val="0000FF"/>
+                </a:solidFill>
+                <a:latin typeface="Consolas"/>
+              </a:rPr>
+              <a:t>:</a:t>
+            </a:r>
+            <a:r>
+              <a:rPr lang="en-US" dirty="0">
+                <a:solidFill>
+                  <a:srgbClr val="FF0000"/>
+                </a:solidFill>
+                <a:latin typeface="Consolas"/>
+              </a:rPr>
+              <a:t>Class</a:t>
+            </a:r>
+            <a:r>
+              <a:rPr lang="en-US" dirty="0">
+                <a:solidFill>
+                  <a:srgbClr val="0000FF"/>
+                </a:solidFill>
+                <a:latin typeface="Consolas"/>
+              </a:rPr>
+              <a:t>="MyWindow"</a:t>
+            </a:r>
+            <a:endParaRPr lang="en-US" dirty="0">
+              <a:solidFill>
+                <a:prstClr val="black"/>
+              </a:solidFill>
+              <a:latin typeface="Consolas"/>
+            </a:endParaRPr>
+          </a:p>
+          <a:p>
+            <a:r>
+              <a:rPr lang="en-US" dirty="0">
+                <a:solidFill>
+                  <a:prstClr val="black"/>
+                </a:solidFill>
+                <a:latin typeface="Consolas"/>
+              </a:rPr>
+              <a:t> </a:t>
+            </a:r>
+            <a:r>
+              <a:rPr lang="en-US" dirty="0">
+                <a:solidFill>
+                  <a:srgbClr val="FF0000"/>
+                </a:solidFill>
+                <a:latin typeface="Consolas"/>
+              </a:rPr>
+              <a:t> </a:t>
+            </a:r>
+            <a:r>
+              <a:rPr lang="en-US" dirty="0" err="1">
+                <a:solidFill>
+                  <a:srgbClr val="FF0000"/>
+                </a:solidFill>
+                <a:latin typeface="Consolas"/>
+              </a:rPr>
+              <a:t>xmlns</a:t>
+            </a:r>
+            <a:r>
+              <a:rPr lang="en-US" dirty="0">
+                <a:solidFill>
+                  <a:srgbClr val="0000FF"/>
+                </a:solidFill>
+                <a:latin typeface="Consolas"/>
+              </a:rPr>
+              <a:t>="http://schemas.microsoft.com/</a:t>
+            </a:r>
+            <a:r>
+              <a:rPr lang="en-US" dirty="0" err="1">
+                <a:solidFill>
+                  <a:srgbClr val="0000FF"/>
+                </a:solidFill>
+                <a:latin typeface="Consolas"/>
+              </a:rPr>
+              <a:t>winfx</a:t>
+            </a:r>
+            <a:r>
+              <a:rPr lang="en-US" dirty="0">
+                <a:solidFill>
+                  <a:srgbClr val="0000FF"/>
+                </a:solidFill>
+                <a:latin typeface="Consolas"/>
+              </a:rPr>
+              <a:t>/2006/</a:t>
+            </a:r>
+            <a:r>
+              <a:rPr lang="en-US" dirty="0" err="1">
+                <a:solidFill>
+                  <a:srgbClr val="0000FF"/>
+                </a:solidFill>
+                <a:latin typeface="Consolas"/>
+              </a:rPr>
+              <a:t>xaml</a:t>
+            </a:r>
+            <a:r>
+              <a:rPr lang="en-US" dirty="0">
+                <a:solidFill>
+                  <a:srgbClr val="0000FF"/>
+                </a:solidFill>
+                <a:latin typeface="Consolas"/>
+              </a:rPr>
+              <a:t>/presentation"</a:t>
+            </a:r>
+            <a:endParaRPr lang="en-US" dirty="0">
+              <a:solidFill>
+                <a:prstClr val="black"/>
+              </a:solidFill>
+              <a:latin typeface="Consolas"/>
+            </a:endParaRPr>
+          </a:p>
+          <a:p>
+            <a:r>
+              <a:rPr lang="en-US" dirty="0">
+                <a:solidFill>
+                  <a:prstClr val="black"/>
+                </a:solidFill>
+                <a:latin typeface="Consolas"/>
+              </a:rPr>
+              <a:t> </a:t>
+            </a:r>
+            <a:r>
+              <a:rPr lang="en-US" dirty="0">
+                <a:solidFill>
+                  <a:srgbClr val="FF0000"/>
+                </a:solidFill>
+                <a:latin typeface="Consolas"/>
+              </a:rPr>
+              <a:t> </a:t>
+            </a:r>
+            <a:r>
+              <a:rPr lang="en-US" dirty="0" err="1">
+                <a:solidFill>
+                  <a:srgbClr val="FF0000"/>
+                </a:solidFill>
+                <a:latin typeface="Consolas"/>
+              </a:rPr>
+              <a:t>xmlns</a:t>
+            </a:r>
+            <a:r>
+              <a:rPr lang="en-US" dirty="0" err="1">
+                <a:solidFill>
+                  <a:srgbClr val="0000FF"/>
+                </a:solidFill>
+                <a:latin typeface="Consolas"/>
+              </a:rPr>
+              <a:t>:</a:t>
+            </a:r>
+            <a:r>
+              <a:rPr lang="en-US" dirty="0" err="1">
+                <a:solidFill>
+                  <a:srgbClr val="FF0000"/>
+                </a:solidFill>
+                <a:latin typeface="Consolas"/>
+              </a:rPr>
+              <a:t>x</a:t>
+            </a:r>
+            <a:r>
+              <a:rPr lang="en-US" dirty="0">
+                <a:solidFill>
+                  <a:srgbClr val="0000FF"/>
+                </a:solidFill>
+                <a:latin typeface="Consolas"/>
+              </a:rPr>
+              <a:t>="http://schemas.microsoft.com/</a:t>
+            </a:r>
+            <a:r>
+              <a:rPr lang="en-US" dirty="0" err="1">
+                <a:solidFill>
+                  <a:srgbClr val="0000FF"/>
+                </a:solidFill>
+                <a:latin typeface="Consolas"/>
+              </a:rPr>
+              <a:t>winfx</a:t>
+            </a:r>
+            <a:r>
+              <a:rPr lang="en-US" dirty="0">
+                <a:solidFill>
+                  <a:srgbClr val="0000FF"/>
+                </a:solidFill>
+                <a:latin typeface="Consolas"/>
+              </a:rPr>
+              <a:t>/2006/</a:t>
+            </a:r>
+            <a:r>
+              <a:rPr lang="en-US" dirty="0" err="1">
+                <a:solidFill>
+                  <a:srgbClr val="0000FF"/>
+                </a:solidFill>
+                <a:latin typeface="Consolas"/>
+              </a:rPr>
+              <a:t>xaml</a:t>
+            </a:r>
+            <a:r>
+              <a:rPr lang="en-US" dirty="0">
+                <a:solidFill>
+                  <a:srgbClr val="0000FF"/>
+                </a:solidFill>
+                <a:latin typeface="Consolas"/>
+              </a:rPr>
+              <a:t>"</a:t>
+            </a:r>
+            <a:endParaRPr lang="en-US" dirty="0">
+              <a:solidFill>
+                <a:prstClr val="black"/>
+              </a:solidFill>
+              <a:latin typeface="Consolas"/>
+            </a:endParaRPr>
+          </a:p>
+          <a:p>
+            <a:r>
+              <a:rPr lang="en-US" dirty="0">
+                <a:solidFill>
+                  <a:prstClr val="black"/>
+                </a:solidFill>
+                <a:latin typeface="Consolas"/>
+              </a:rPr>
+              <a:t> </a:t>
+            </a:r>
+            <a:r>
+              <a:rPr lang="en-US" dirty="0">
+                <a:solidFill>
+                  <a:srgbClr val="FF0000"/>
+                </a:solidFill>
+                <a:latin typeface="Consolas"/>
+              </a:rPr>
+              <a:t> Title</a:t>
+            </a:r>
+            <a:r>
+              <a:rPr lang="en-US" dirty="0">
+                <a:solidFill>
+                  <a:srgbClr val="0000FF"/>
+                </a:solidFill>
+                <a:latin typeface="Consolas"/>
+              </a:rPr>
+              <a:t>="</a:t>
+            </a:r>
+            <a:r>
+              <a:rPr lang="en-US" dirty="0" err="1">
+                <a:solidFill>
+                  <a:srgbClr val="0000FF"/>
+                </a:solidFill>
+                <a:latin typeface="Consolas"/>
+              </a:rPr>
+              <a:t>MainWindow</a:t>
+            </a:r>
+            <a:r>
+              <a:rPr lang="en-US" dirty="0">
+                <a:solidFill>
+                  <a:srgbClr val="0000FF"/>
+                </a:solidFill>
+                <a:latin typeface="Consolas"/>
+              </a:rPr>
+              <a:t>"&gt;</a:t>
+            </a:r>
+            <a:endParaRPr lang="en-US" dirty="0">
+              <a:solidFill>
+                <a:prstClr val="black"/>
+              </a:solidFill>
+              <a:latin typeface="Consolas"/>
+            </a:endParaRPr>
+          </a:p>
+          <a:p>
+            <a:r>
+              <a:rPr lang="en-US" dirty="0">
+                <a:solidFill>
+                  <a:srgbClr val="A31515"/>
+                </a:solidFill>
+                <a:latin typeface="Consolas"/>
+              </a:rPr>
+              <a:t>    </a:t>
+            </a:r>
+            <a:r>
+              <a:rPr lang="en-US" dirty="0">
+                <a:solidFill>
+                  <a:srgbClr val="0000FF"/>
+                </a:solidFill>
+                <a:latin typeface="Consolas"/>
+              </a:rPr>
+              <a:t>&lt;</a:t>
+            </a:r>
+            <a:r>
+              <a:rPr lang="en-US" dirty="0" err="1">
+                <a:solidFill>
+                  <a:srgbClr val="A31515"/>
+                </a:solidFill>
+                <a:latin typeface="Consolas"/>
+              </a:rPr>
+              <a:t>StackPanel</a:t>
+            </a:r>
+            <a:r>
+              <a:rPr lang="en-US" dirty="0">
+                <a:solidFill>
+                  <a:srgbClr val="0000FF"/>
+                </a:solidFill>
+                <a:latin typeface="Consolas"/>
+              </a:rPr>
+              <a:t>&gt;</a:t>
+            </a:r>
+            <a:endParaRPr lang="en-US" dirty="0">
+              <a:solidFill>
+                <a:prstClr val="black"/>
+              </a:solidFill>
+              <a:latin typeface="Consolas"/>
+            </a:endParaRPr>
+          </a:p>
+          <a:p>
+            <a:r>
+              <a:rPr lang="en-US" dirty="0">
+                <a:solidFill>
+                  <a:srgbClr val="A31515"/>
+                </a:solidFill>
+                <a:latin typeface="Consolas"/>
+              </a:rPr>
+              <a:t>        </a:t>
+            </a:r>
+            <a:r>
+              <a:rPr lang="en-US" dirty="0">
+                <a:solidFill>
+                  <a:srgbClr val="0000FF"/>
+                </a:solidFill>
+                <a:latin typeface="Consolas"/>
+              </a:rPr>
+              <a:t>&lt;</a:t>
+            </a:r>
+            <a:r>
+              <a:rPr lang="en-US" dirty="0">
+                <a:solidFill>
+                  <a:srgbClr val="A31515"/>
+                </a:solidFill>
+                <a:latin typeface="Consolas"/>
+              </a:rPr>
+              <a:t>Slider</a:t>
+            </a:r>
+            <a:r>
+              <a:rPr lang="en-US" dirty="0">
+                <a:solidFill>
+                  <a:srgbClr val="FF0000"/>
+                </a:solidFill>
+                <a:latin typeface="Consolas"/>
+              </a:rPr>
+              <a:t> Minimum</a:t>
+            </a:r>
+            <a:r>
+              <a:rPr lang="en-US" dirty="0">
+                <a:solidFill>
+                  <a:srgbClr val="0000FF"/>
+                </a:solidFill>
+                <a:latin typeface="Consolas"/>
+              </a:rPr>
+              <a:t>="0"</a:t>
+            </a:r>
+            <a:r>
+              <a:rPr lang="en-US" dirty="0">
+                <a:solidFill>
+                  <a:srgbClr val="FF0000"/>
+                </a:solidFill>
+                <a:latin typeface="Consolas"/>
+              </a:rPr>
+              <a:t> Maximum</a:t>
+            </a:r>
+            <a:r>
+              <a:rPr lang="en-US" dirty="0">
+                <a:solidFill>
+                  <a:srgbClr val="0000FF"/>
+                </a:solidFill>
+                <a:latin typeface="Consolas"/>
+              </a:rPr>
+              <a:t>="100"</a:t>
+            </a:r>
+            <a:r>
+              <a:rPr lang="en-US" dirty="0">
+                <a:solidFill>
+                  <a:srgbClr val="FF0000"/>
+                </a:solidFill>
+                <a:latin typeface="Consolas"/>
+              </a:rPr>
+              <a:t> Name</a:t>
+            </a:r>
+            <a:r>
+              <a:rPr lang="en-US" dirty="0">
+                <a:solidFill>
+                  <a:srgbClr val="0000FF"/>
+                </a:solidFill>
+                <a:latin typeface="Consolas"/>
+              </a:rPr>
+              <a:t>="</a:t>
+            </a:r>
+            <a:r>
+              <a:rPr lang="en-US" dirty="0" err="1">
+                <a:solidFill>
+                  <a:srgbClr val="0000FF"/>
+                </a:solidFill>
+                <a:latin typeface="Consolas"/>
+              </a:rPr>
+              <a:t>sliderA</a:t>
+            </a:r>
+            <a:r>
+              <a:rPr lang="en-US" dirty="0">
+                <a:solidFill>
+                  <a:srgbClr val="0000FF"/>
+                </a:solidFill>
+                <a:latin typeface="Consolas"/>
+              </a:rPr>
+              <a:t>"</a:t>
+            </a:r>
+            <a:endParaRPr lang="en-US" dirty="0">
+              <a:solidFill>
+                <a:prstClr val="black"/>
+              </a:solidFill>
+              <a:latin typeface="Consolas"/>
+            </a:endParaRPr>
+          </a:p>
+          <a:p>
+            <a:r>
+              <a:rPr lang="en-US" dirty="0">
+                <a:solidFill>
+                  <a:prstClr val="black"/>
+                </a:solidFill>
+                <a:latin typeface="Consolas"/>
+              </a:rPr>
+              <a:t>               </a:t>
+            </a:r>
+            <a:r>
+              <a:rPr lang="en-US" dirty="0">
+                <a:solidFill>
+                  <a:srgbClr val="FF0000"/>
+                </a:solidFill>
+                <a:latin typeface="Consolas"/>
+              </a:rPr>
+              <a:t> </a:t>
+            </a:r>
+            <a:r>
+              <a:rPr lang="en-US" dirty="0" err="1">
+                <a:solidFill>
+                  <a:srgbClr val="FF0000"/>
+                </a:solidFill>
+                <a:latin typeface="Consolas"/>
+              </a:rPr>
+              <a:t>ValueChanged</a:t>
+            </a:r>
+            <a:r>
+              <a:rPr lang="en-US" dirty="0">
+                <a:solidFill>
+                  <a:srgbClr val="0000FF"/>
+                </a:solidFill>
+                <a:latin typeface="Consolas"/>
+              </a:rPr>
+              <a:t>="</a:t>
+            </a:r>
+            <a:r>
+              <a:rPr lang="en-US" dirty="0" err="1">
+                <a:solidFill>
+                  <a:srgbClr val="0000FF"/>
+                </a:solidFill>
+                <a:latin typeface="Consolas"/>
+              </a:rPr>
+              <a:t>sliderA_ValueChanged</a:t>
+            </a:r>
+            <a:r>
+              <a:rPr lang="en-US" dirty="0">
+                <a:solidFill>
+                  <a:srgbClr val="0000FF"/>
+                </a:solidFill>
+                <a:latin typeface="Consolas"/>
+              </a:rPr>
+              <a:t>" /&gt;</a:t>
+            </a:r>
+            <a:endParaRPr lang="en-US" dirty="0">
+              <a:solidFill>
+                <a:prstClr val="black"/>
+              </a:solidFill>
+              <a:latin typeface="Consolas"/>
+            </a:endParaRPr>
+          </a:p>
+          <a:p>
+            <a:r>
+              <a:rPr lang="en-US" dirty="0">
+                <a:solidFill>
+                  <a:srgbClr val="A31515"/>
+                </a:solidFill>
+                <a:latin typeface="Consolas"/>
+              </a:rPr>
+              <a:t>        </a:t>
+            </a:r>
+            <a:r>
+              <a:rPr lang="en-US" dirty="0">
+                <a:solidFill>
+                  <a:srgbClr val="0000FF"/>
+                </a:solidFill>
+                <a:latin typeface="Consolas"/>
+              </a:rPr>
+              <a:t>&lt;</a:t>
+            </a:r>
+            <a:r>
+              <a:rPr lang="en-US" dirty="0" err="1">
+                <a:solidFill>
+                  <a:srgbClr val="A31515"/>
+                </a:solidFill>
+                <a:latin typeface="Consolas"/>
+              </a:rPr>
+              <a:t>TextBox</a:t>
+            </a:r>
+            <a:r>
+              <a:rPr lang="en-US" dirty="0">
+                <a:solidFill>
+                  <a:srgbClr val="FF0000"/>
+                </a:solidFill>
+                <a:latin typeface="Consolas"/>
+              </a:rPr>
+              <a:t> Name</a:t>
+            </a:r>
+            <a:r>
+              <a:rPr lang="en-US" dirty="0">
+                <a:solidFill>
+                  <a:srgbClr val="0000FF"/>
+                </a:solidFill>
+                <a:latin typeface="Consolas"/>
+              </a:rPr>
+              <a:t>="</a:t>
+            </a:r>
+            <a:r>
+              <a:rPr lang="en-US" dirty="0" err="1">
+                <a:solidFill>
+                  <a:srgbClr val="0000FF"/>
+                </a:solidFill>
+                <a:latin typeface="Consolas"/>
+              </a:rPr>
+              <a:t>someTextBox</a:t>
+            </a:r>
+            <a:r>
+              <a:rPr lang="en-US" dirty="0">
+                <a:solidFill>
+                  <a:srgbClr val="0000FF"/>
+                </a:solidFill>
+                <a:latin typeface="Consolas"/>
+              </a:rPr>
+              <a:t>" /&gt;</a:t>
+            </a:r>
+            <a:endParaRPr lang="en-US" dirty="0">
+              <a:solidFill>
+                <a:prstClr val="black"/>
+              </a:solidFill>
+              <a:latin typeface="Consolas"/>
+            </a:endParaRPr>
+          </a:p>
+          <a:p>
+            <a:r>
+              <a:rPr lang="en-US" dirty="0">
+                <a:solidFill>
+                  <a:srgbClr val="A31515"/>
+                </a:solidFill>
+                <a:latin typeface="Consolas"/>
+              </a:rPr>
+              <a:t>    </a:t>
+            </a:r>
+            <a:r>
+              <a:rPr lang="en-US" dirty="0">
+                <a:solidFill>
+                  <a:srgbClr val="0000FF"/>
+                </a:solidFill>
+                <a:latin typeface="Consolas"/>
+              </a:rPr>
+              <a:t>&lt;/</a:t>
+            </a:r>
+            <a:r>
+              <a:rPr lang="en-US" dirty="0" err="1">
+                <a:solidFill>
+                  <a:srgbClr val="A31515"/>
+                </a:solidFill>
+                <a:latin typeface="Consolas"/>
+              </a:rPr>
+              <a:t>StackPanel</a:t>
+            </a:r>
+            <a:r>
+              <a:rPr lang="en-US" dirty="0">
+                <a:solidFill>
+                  <a:srgbClr val="0000FF"/>
+                </a:solidFill>
+                <a:latin typeface="Consolas"/>
+              </a:rPr>
+              <a:t>&gt;</a:t>
+            </a:r>
+            <a:endParaRPr lang="en-US" dirty="0">
+              <a:solidFill>
+                <a:prstClr val="black"/>
+              </a:solidFill>
+              <a:latin typeface="Consolas"/>
+            </a:endParaRPr>
+          </a:p>
+          <a:p>
+            <a:r>
+              <a:rPr lang="en-US" dirty="0">
+                <a:solidFill>
+                  <a:srgbClr val="0000FF"/>
+                </a:solidFill>
+                <a:latin typeface="Consolas"/>
+              </a:rPr>
+              <a:t>&lt;/</a:t>
+            </a:r>
+            <a:r>
+              <a:rPr lang="en-US" dirty="0">
+                <a:solidFill>
+                  <a:srgbClr val="A31515"/>
+                </a:solidFill>
+                <a:latin typeface="Consolas"/>
+              </a:rPr>
+              <a:t>Window</a:t>
+            </a:r>
+            <a:r>
+              <a:rPr lang="en-US" dirty="0" smtClean="0">
+                <a:solidFill>
+                  <a:srgbClr val="0000FF"/>
+                </a:solidFill>
+                <a:latin typeface="Consolas"/>
+              </a:rPr>
+              <a:t>&gt;</a:t>
+            </a:r>
+            <a:endParaRPr lang="en-US" dirty="0">
+              <a:solidFill>
+                <a:prstClr val="black"/>
+              </a:solidFill>
+              <a:latin typeface="Consolas"/>
+            </a:endParaRPr>
+          </a:p>
+        </p:txBody>
+      </p:sp>
+      <p:sp>
+        <p:nvSpPr>
+          <p:cNvPr id="7" name="Rectangle 6"/>
+          <p:cNvSpPr/>
+          <p:nvPr/>
+        </p:nvSpPr>
+        <p:spPr>
+          <a:xfrm>
+            <a:off x="228600" y="2742962"/>
+            <a:ext cx="9601200" cy="2893100"/>
+          </a:xfrm>
+          <a:prstGeom prst="rect">
+            <a:avLst/>
+          </a:prstGeom>
+        </p:spPr>
+        <p:txBody>
+          <a:bodyPr wrap="square">
+            <a:spAutoFit/>
+          </a:bodyPr>
+          <a:lstStyle/>
+          <a:p>
+            <a:r>
+              <a:rPr lang="en-US" sz="1400" dirty="0">
+                <a:solidFill>
+                  <a:srgbClr val="0000FF"/>
+                </a:solidFill>
+                <a:latin typeface="Consolas"/>
+              </a:rPr>
+              <a:t>using</a:t>
+            </a:r>
+            <a:r>
+              <a:rPr lang="en-US" sz="1400" dirty="0">
+                <a:solidFill>
+                  <a:prstClr val="black"/>
+                </a:solidFill>
+                <a:latin typeface="Consolas"/>
+              </a:rPr>
+              <a:t> System;</a:t>
+            </a:r>
+          </a:p>
+          <a:p>
+            <a:r>
+              <a:rPr lang="en-US" sz="1400" dirty="0">
+                <a:solidFill>
+                  <a:srgbClr val="0000FF"/>
+                </a:solidFill>
+                <a:latin typeface="Consolas"/>
+              </a:rPr>
+              <a:t>using</a:t>
+            </a:r>
+            <a:r>
+              <a:rPr lang="en-US" sz="1400" dirty="0">
+                <a:solidFill>
+                  <a:prstClr val="black"/>
+                </a:solidFill>
+                <a:latin typeface="Consolas"/>
+              </a:rPr>
+              <a:t> </a:t>
+            </a:r>
+            <a:r>
+              <a:rPr lang="en-US" sz="1400" dirty="0" err="1">
+                <a:solidFill>
+                  <a:prstClr val="black"/>
+                </a:solidFill>
+                <a:latin typeface="Consolas"/>
+              </a:rPr>
+              <a:t>System.Windows</a:t>
+            </a:r>
+            <a:r>
+              <a:rPr lang="en-US" sz="1400" dirty="0">
+                <a:solidFill>
+                  <a:prstClr val="black"/>
+                </a:solidFill>
+                <a:latin typeface="Consolas"/>
+              </a:rPr>
+              <a:t>;</a:t>
+            </a:r>
+          </a:p>
+          <a:p>
+            <a:r>
+              <a:rPr lang="en-US" sz="1400" dirty="0">
+                <a:solidFill>
+                  <a:srgbClr val="0000FF"/>
+                </a:solidFill>
+                <a:latin typeface="Consolas"/>
+              </a:rPr>
+              <a:t>using</a:t>
+            </a:r>
+            <a:r>
+              <a:rPr lang="en-US" sz="1400" dirty="0">
+                <a:solidFill>
+                  <a:prstClr val="black"/>
+                </a:solidFill>
+                <a:latin typeface="Consolas"/>
+              </a:rPr>
+              <a:t> </a:t>
+            </a:r>
+            <a:r>
+              <a:rPr lang="en-US" sz="1400" dirty="0" err="1">
+                <a:solidFill>
+                  <a:prstClr val="black"/>
+                </a:solidFill>
+                <a:latin typeface="Consolas"/>
+              </a:rPr>
+              <a:t>System.Windows.Controls</a:t>
+            </a:r>
+            <a:r>
+              <a:rPr lang="en-US" sz="1400" dirty="0">
+                <a:solidFill>
+                  <a:prstClr val="black"/>
+                </a:solidFill>
+                <a:latin typeface="Consolas"/>
+              </a:rPr>
+              <a:t>;</a:t>
+            </a:r>
+          </a:p>
+          <a:p>
+            <a:r>
+              <a:rPr lang="en-US" sz="1400" dirty="0">
+                <a:solidFill>
+                  <a:srgbClr val="0000FF"/>
+                </a:solidFill>
+                <a:latin typeface="Consolas"/>
+              </a:rPr>
+              <a:t>public</a:t>
+            </a:r>
+            <a:r>
+              <a:rPr lang="en-US" sz="1400" dirty="0">
+                <a:solidFill>
+                  <a:prstClr val="black"/>
+                </a:solidFill>
+                <a:latin typeface="Consolas"/>
+              </a:rPr>
+              <a:t> </a:t>
+            </a:r>
+            <a:r>
+              <a:rPr lang="en-US" sz="1400" dirty="0">
+                <a:solidFill>
+                  <a:srgbClr val="0000FF"/>
+                </a:solidFill>
+                <a:latin typeface="Consolas"/>
+              </a:rPr>
+              <a:t>partial</a:t>
+            </a:r>
+            <a:r>
+              <a:rPr lang="en-US" sz="1400" dirty="0">
+                <a:solidFill>
+                  <a:prstClr val="black"/>
+                </a:solidFill>
+                <a:latin typeface="Consolas"/>
+              </a:rPr>
+              <a:t> </a:t>
+            </a:r>
+            <a:r>
+              <a:rPr lang="en-US" sz="1400" dirty="0">
+                <a:solidFill>
+                  <a:srgbClr val="0000FF"/>
+                </a:solidFill>
+                <a:latin typeface="Consolas"/>
+              </a:rPr>
+              <a:t>class</a:t>
+            </a:r>
+            <a:r>
+              <a:rPr lang="en-US" sz="1400" dirty="0">
+                <a:solidFill>
+                  <a:prstClr val="black"/>
+                </a:solidFill>
+                <a:latin typeface="Consolas"/>
+              </a:rPr>
+              <a:t> </a:t>
+            </a:r>
+            <a:r>
+              <a:rPr lang="en-US" sz="1400" dirty="0" err="1">
+                <a:solidFill>
+                  <a:srgbClr val="2B91AF"/>
+                </a:solidFill>
+                <a:latin typeface="Consolas"/>
+              </a:rPr>
+              <a:t>MyWindow</a:t>
+            </a:r>
+            <a:r>
+              <a:rPr lang="en-US" sz="1400" dirty="0">
+                <a:solidFill>
+                  <a:prstClr val="black"/>
+                </a:solidFill>
+                <a:latin typeface="Consolas"/>
+              </a:rPr>
+              <a:t> : </a:t>
+            </a:r>
+            <a:r>
+              <a:rPr lang="en-US" sz="1400" dirty="0">
+                <a:solidFill>
+                  <a:srgbClr val="2B91AF"/>
+                </a:solidFill>
+                <a:latin typeface="Consolas"/>
+              </a:rPr>
+              <a:t>Window</a:t>
+            </a:r>
+            <a:r>
+              <a:rPr lang="en-US" sz="1400" dirty="0">
+                <a:solidFill>
+                  <a:prstClr val="black"/>
+                </a:solidFill>
+                <a:latin typeface="Consolas"/>
+              </a:rPr>
+              <a:t> {</a:t>
+            </a:r>
+          </a:p>
+          <a:p>
+            <a:r>
+              <a:rPr lang="en-US" sz="1400" dirty="0">
+                <a:solidFill>
+                  <a:prstClr val="black"/>
+                </a:solidFill>
+                <a:latin typeface="Consolas"/>
+              </a:rPr>
+              <a:t>    </a:t>
+            </a:r>
+            <a:r>
+              <a:rPr lang="en-US" sz="1400" dirty="0">
+                <a:solidFill>
+                  <a:srgbClr val="0000FF"/>
+                </a:solidFill>
+                <a:latin typeface="Consolas"/>
+              </a:rPr>
+              <a:t>public</a:t>
+            </a:r>
+            <a:r>
+              <a:rPr lang="en-US" sz="1400" dirty="0">
+                <a:solidFill>
+                  <a:prstClr val="black"/>
+                </a:solidFill>
+                <a:latin typeface="Consolas"/>
+              </a:rPr>
+              <a:t> </a:t>
+            </a:r>
+            <a:r>
+              <a:rPr lang="en-US" sz="1400" dirty="0" err="1">
+                <a:solidFill>
+                  <a:prstClr val="black"/>
+                </a:solidFill>
+                <a:latin typeface="Consolas"/>
+              </a:rPr>
+              <a:t>MyWindow</a:t>
+            </a:r>
+            <a:r>
+              <a:rPr lang="en-US" sz="1400" dirty="0">
+                <a:solidFill>
+                  <a:prstClr val="black"/>
+                </a:solidFill>
+                <a:latin typeface="Consolas"/>
+              </a:rPr>
+              <a:t>() {</a:t>
+            </a:r>
+          </a:p>
+          <a:p>
+            <a:r>
+              <a:rPr lang="en-US" sz="1400" dirty="0">
+                <a:solidFill>
+                  <a:prstClr val="black"/>
+                </a:solidFill>
+                <a:latin typeface="Consolas"/>
+              </a:rPr>
+              <a:t>        </a:t>
+            </a:r>
+            <a:r>
+              <a:rPr lang="en-US" sz="1400" dirty="0" err="1">
+                <a:solidFill>
+                  <a:prstClr val="black"/>
+                </a:solidFill>
+                <a:latin typeface="Consolas"/>
+              </a:rPr>
+              <a:t>InitializeComponent</a:t>
+            </a:r>
+            <a:r>
+              <a:rPr lang="en-US" sz="1400" dirty="0">
+                <a:solidFill>
+                  <a:prstClr val="black"/>
+                </a:solidFill>
+                <a:latin typeface="Consolas"/>
+              </a:rPr>
+              <a:t>();</a:t>
+            </a:r>
+          </a:p>
+          <a:p>
+            <a:r>
+              <a:rPr lang="en-US" sz="1400" dirty="0">
+                <a:solidFill>
+                  <a:prstClr val="black"/>
+                </a:solidFill>
+                <a:latin typeface="Consolas"/>
+              </a:rPr>
+              <a:t>    }</a:t>
+            </a:r>
+          </a:p>
+          <a:p>
+            <a:r>
+              <a:rPr lang="en-US" sz="1400" dirty="0">
+                <a:solidFill>
+                  <a:prstClr val="black"/>
+                </a:solidFill>
+                <a:latin typeface="Consolas"/>
+              </a:rPr>
+              <a:t>    </a:t>
+            </a:r>
+            <a:r>
+              <a:rPr lang="en-US" sz="1400" dirty="0">
+                <a:solidFill>
+                  <a:srgbClr val="0000FF"/>
+                </a:solidFill>
+                <a:latin typeface="Consolas"/>
+              </a:rPr>
+              <a:t>public</a:t>
+            </a:r>
+            <a:r>
+              <a:rPr lang="en-US" sz="1400" dirty="0">
+                <a:solidFill>
+                  <a:prstClr val="black"/>
+                </a:solidFill>
+                <a:latin typeface="Consolas"/>
+              </a:rPr>
+              <a:t> </a:t>
+            </a:r>
+            <a:r>
+              <a:rPr lang="en-US" sz="1400" dirty="0">
+                <a:solidFill>
+                  <a:srgbClr val="0000FF"/>
+                </a:solidFill>
+                <a:latin typeface="Consolas"/>
+              </a:rPr>
+              <a:t>void</a:t>
+            </a:r>
+            <a:r>
+              <a:rPr lang="en-US" sz="1400" dirty="0">
+                <a:solidFill>
+                  <a:prstClr val="black"/>
+                </a:solidFill>
+                <a:latin typeface="Consolas"/>
+              </a:rPr>
+              <a:t> </a:t>
+            </a:r>
+            <a:r>
+              <a:rPr lang="en-US" sz="1400" dirty="0" err="1">
+                <a:solidFill>
+                  <a:prstClr val="black"/>
+                </a:solidFill>
+                <a:latin typeface="Consolas"/>
+              </a:rPr>
+              <a:t>sliderA_ValueChanged</a:t>
+            </a:r>
+            <a:r>
+              <a:rPr lang="en-US" sz="1400" dirty="0">
+                <a:solidFill>
+                  <a:prstClr val="black"/>
+                </a:solidFill>
+                <a:latin typeface="Consolas"/>
+              </a:rPr>
+              <a:t>(</a:t>
+            </a:r>
+            <a:r>
+              <a:rPr lang="en-US" sz="1400" dirty="0">
+                <a:solidFill>
+                  <a:srgbClr val="0000FF"/>
+                </a:solidFill>
+                <a:latin typeface="Consolas"/>
+              </a:rPr>
+              <a:t>object</a:t>
+            </a:r>
+            <a:r>
+              <a:rPr lang="en-US" sz="1400" dirty="0">
+                <a:solidFill>
+                  <a:prstClr val="black"/>
+                </a:solidFill>
+                <a:latin typeface="Consolas"/>
+              </a:rPr>
+              <a:t> sender, </a:t>
+            </a:r>
+            <a:r>
+              <a:rPr lang="en-US" sz="1400" dirty="0" err="1">
+                <a:solidFill>
+                  <a:srgbClr val="2B91AF"/>
+                </a:solidFill>
+                <a:latin typeface="Consolas"/>
+              </a:rPr>
+              <a:t>RoutedPropertyChangedEventArgs</a:t>
+            </a:r>
+            <a:r>
+              <a:rPr lang="en-US" sz="1400" dirty="0">
+                <a:solidFill>
+                  <a:prstClr val="black"/>
+                </a:solidFill>
+                <a:latin typeface="Consolas"/>
+              </a:rPr>
+              <a:t>&lt;</a:t>
+            </a:r>
+            <a:r>
+              <a:rPr lang="en-US" sz="1400" dirty="0">
+                <a:solidFill>
+                  <a:srgbClr val="0000FF"/>
+                </a:solidFill>
+                <a:latin typeface="Consolas"/>
+              </a:rPr>
+              <a:t>double</a:t>
+            </a:r>
+            <a:r>
+              <a:rPr lang="en-US" sz="1400" dirty="0">
+                <a:solidFill>
+                  <a:prstClr val="black"/>
+                </a:solidFill>
+                <a:latin typeface="Consolas"/>
+              </a:rPr>
+              <a:t>&gt; e) {</a:t>
+            </a:r>
+          </a:p>
+          <a:p>
+            <a:r>
+              <a:rPr lang="en-US" sz="1400" dirty="0">
+                <a:solidFill>
+                  <a:prstClr val="black"/>
+                </a:solidFill>
+                <a:latin typeface="Consolas"/>
+              </a:rPr>
+              <a:t>        </a:t>
+            </a:r>
+            <a:r>
+              <a:rPr lang="en-US" sz="1400" dirty="0" err="1">
+                <a:solidFill>
+                  <a:prstClr val="black"/>
+                </a:solidFill>
+                <a:latin typeface="Consolas"/>
+              </a:rPr>
+              <a:t>someTextBox.Text</a:t>
+            </a:r>
+            <a:r>
+              <a:rPr lang="en-US" sz="1400" dirty="0">
+                <a:solidFill>
+                  <a:prstClr val="black"/>
+                </a:solidFill>
+                <a:latin typeface="Consolas"/>
+              </a:rPr>
+              <a:t> = </a:t>
+            </a:r>
+            <a:r>
+              <a:rPr lang="en-US" sz="1400" dirty="0" err="1">
+                <a:solidFill>
+                  <a:prstClr val="black"/>
+                </a:solidFill>
+                <a:latin typeface="Consolas"/>
+              </a:rPr>
+              <a:t>sliderA.Value.ToString</a:t>
+            </a:r>
+            <a:r>
+              <a:rPr lang="en-US" sz="1400" dirty="0">
+                <a:solidFill>
+                  <a:prstClr val="black"/>
+                </a:solidFill>
+                <a:latin typeface="Consolas"/>
+              </a:rPr>
+              <a:t>();</a:t>
+            </a:r>
+          </a:p>
+          <a:p>
+            <a:r>
+              <a:rPr lang="en-US" sz="1400" dirty="0">
+                <a:solidFill>
+                  <a:prstClr val="black"/>
+                </a:solidFill>
+                <a:latin typeface="Consolas"/>
+              </a:rPr>
+              <a:t>    }</a:t>
+            </a:r>
+          </a:p>
+          <a:p>
+            <a:r>
+              <a:rPr lang="en-US" sz="1400" dirty="0">
+                <a:solidFill>
+                  <a:prstClr val="black"/>
+                </a:solidFill>
+                <a:latin typeface="Consolas"/>
+              </a:rPr>
+              <a:t>}</a:t>
+            </a:r>
+          </a:p>
+          <a:p>
+            <a:endParaRPr lang="en-US" sz="1400" dirty="0">
+              <a:solidFill>
+                <a:prstClr val="black"/>
+              </a:solidFill>
+              <a:latin typeface="Consolas"/>
+            </a:endParaRPr>
+          </a:p>
+          <a:p>
+            <a:endParaRPr lang="en-US" sz="1400" dirty="0">
+              <a:solidFill>
+                <a:prstClr val="black"/>
+              </a:solidFill>
+              <a:latin typeface="Consolas"/>
+            </a:endParaRPr>
+          </a:p>
+        </p:txBody>
+      </p:sp>
+      <p:sp>
+        <p:nvSpPr>
+          <p:cNvPr id="11" name="Content Placeholder 2"/>
+          <p:cNvSpPr>
+            <a:spLocks noGrp="1"/>
+          </p:cNvSpPr>
+          <p:nvPr>
+            <p:ph idx="1"/>
+          </p:nvPr>
+        </p:nvSpPr>
+        <p:spPr>
+          <a:xfrm>
+            <a:off x="0" y="5420618"/>
+            <a:ext cx="9144000" cy="1437382"/>
+          </a:xfrm>
+        </p:spPr>
+        <p:txBody>
+          <a:bodyPr>
+            <a:normAutofit/>
+          </a:bodyPr>
+          <a:lstStyle/>
+          <a:p>
+            <a:r>
+              <a:rPr lang="en-US" dirty="0" smtClean="0"/>
+              <a:t>Sets text in </a:t>
+            </a:r>
+            <a:r>
+              <a:rPr lang="en-US" dirty="0" err="1" smtClean="0"/>
+              <a:t>someTextBox</a:t>
+            </a:r>
+            <a:r>
+              <a:rPr lang="en-US" dirty="0" smtClean="0"/>
+              <a:t> whenever slider </a:t>
+            </a:r>
+            <a:r>
+              <a:rPr lang="en-US" smtClean="0"/>
+              <a:t>value changes</a:t>
+            </a:r>
+            <a:endParaRPr lang="en-US" dirty="0"/>
+          </a:p>
+        </p:txBody>
+      </p:sp>
+      <p:pic>
+        <p:nvPicPr>
+          <p:cNvPr id="1026" name="Picture 2"/>
+          <p:cNvPicPr>
+            <a:picLocks noChangeAspect="1" noChangeArrowheads="1"/>
+          </p:cNvPicPr>
+          <p:nvPr/>
+        </p:nvPicPr>
+        <p:blipFill>
+          <a:blip r:embed="rId2">
+            <a:extLst>
+              <a:ext uri="{28A0092B-C50C-407E-A947-70E740481C1C}">
+                <a14:useLocalDpi xmlns:a14="http://schemas.microsoft.com/office/drawing/2010/main" val="0"/>
+              </a:ext>
+            </a:extLst>
+          </a:blip>
+          <a:srcRect/>
+          <a:stretch>
+            <a:fillRect/>
+          </a:stretch>
+        </p:blipFill>
+        <p:spPr bwMode="auto">
+          <a:xfrm>
+            <a:off x="6588125" y="2976562"/>
+            <a:ext cx="2251075" cy="1208204"/>
+          </a:xfrm>
+          <a:prstGeom prst="rect">
+            <a:avLst/>
+          </a:prstGeom>
+          <a:noFill/>
+          <a:ln>
+            <a:noFill/>
+          </a:ln>
+          <a:effectLst/>
+          <a:extLst>
+            <a:ext uri="{909E8E84-426E-40DD-AFC4-6F175D3DCCD1}">
+              <a14:hiddenFill xmlns:a14="http://schemas.microsoft.com/office/drawing/2010/main">
+                <a:solidFill>
+                  <a:schemeClr val="accent1"/>
+                </a:solidFill>
+              </a14:hiddenFill>
+            </a:ext>
+            <a:ext uri="{91240B29-F687-4F45-9708-019B960494DF}">
+              <a14:hiddenLine xmlns:a14="http://schemas.microsoft.com/office/drawing/2010/main" w="9525">
+                <a:solidFill>
+                  <a:schemeClr val="tx1"/>
+                </a:solidFill>
+                <a:miter lim="800000"/>
+                <a:headEnd/>
+                <a:tailEnd/>
+              </a14:hiddenLine>
+            </a:ext>
+            <a:ext uri="{AF507438-7753-43E0-B8FC-AC1667EBCBE1}">
+              <a14:hiddenEffects xmlns:a14="http://schemas.microsoft.com/office/drawing/2010/main">
+                <a:effectLst>
+                  <a:outerShdw dist="35921" dir="2700000" algn="ctr" rotWithShape="0">
+                    <a:schemeClr val="bg2"/>
+                  </a:outerShdw>
+                </a:effectLst>
+              </a14:hiddenEffects>
+            </a:ext>
+          </a:extLst>
+        </p:spPr>
+      </p:pic>
+    </p:spTree>
+    <p:extLst>
+      <p:ext uri="{BB962C8B-B14F-4D97-AF65-F5344CB8AC3E}">
+        <p14:creationId xmlns:p14="http://schemas.microsoft.com/office/powerpoint/2010/main" val="503133636"/>
       </p:ext>
     </p:extLst>
   </p:cSld>
